--- a/耶穌常伴我.pptx
+++ b/耶穌常伴我.pptx
@@ -5,8 +5,11 @@
     <p:sldMasterId id="2147483672" r:id="rId1"/>
   </p:sldMasterIdLst>
   <p:sldIdLst>
-    <p:sldId id="256" r:id="rId2"/>
-    <p:sldId id="257" r:id="rId3"/>
+    <p:sldId id="258" r:id="rId2"/>
+    <p:sldId id="259" r:id="rId3"/>
+    <p:sldId id="260" r:id="rId4"/>
+    <p:sldId id="261" r:id="rId5"/>
+    <p:sldId id="262" r:id="rId6"/>
   </p:sldIdLst>
   <p:sldSz cx="9144000" cy="5143500" type="screen16x9"/>
   <p:notesSz cx="6858000" cy="9144000"/>
@@ -105,6 +108,22 @@
       </a:defRPr>
     </a:lvl9pPr>
   </p:defaultTextStyle>
+  <p:extLst>
+    <p:ext uri="{EFAFB233-063F-42B5-8137-9DF3F51BA10A}">
+      <p15:sldGuideLst xmlns:p15="http://schemas.microsoft.com/office/powerpoint/2012/main">
+        <p15:guide id="1" orient="horz" pos="1620">
+          <p15:clr>
+            <a:srgbClr val="A4A3A4"/>
+          </p15:clr>
+        </p15:guide>
+        <p15:guide id="2" pos="2880">
+          <p15:clr>
+            <a:srgbClr val="A4A3A4"/>
+          </p15:clr>
+        </p15:guide>
+      </p15:sldGuideLst>
+    </p:ext>
+  </p:extLst>
 </p:presentation>
 </file>
 
@@ -290,7 +309,7 @@
             <a:fld id="{5F2FEBC7-1878-4A7C-90B4-7CF6417F5DC7}" type="datetimeFigureOut">
               <a:rPr lang="zh-TW" altLang="en-US" smtClean="0"/>
               <a:pPr/>
-              <a:t>2019/7/21</a:t>
+              <a:t>2022/9/10</a:t>
             </a:fld>
             <a:endParaRPr lang="zh-TW" altLang="en-US"/>
           </a:p>
@@ -457,7 +476,7 @@
             <a:fld id="{5F2FEBC7-1878-4A7C-90B4-7CF6417F5DC7}" type="datetimeFigureOut">
               <a:rPr lang="zh-TW" altLang="en-US" smtClean="0"/>
               <a:pPr/>
-              <a:t>2019/7/21</a:t>
+              <a:t>2022/9/10</a:t>
             </a:fld>
             <a:endParaRPr lang="zh-TW" altLang="en-US"/>
           </a:p>
@@ -634,7 +653,7 @@
             <a:fld id="{5F2FEBC7-1878-4A7C-90B4-7CF6417F5DC7}" type="datetimeFigureOut">
               <a:rPr lang="zh-TW" altLang="en-US" smtClean="0"/>
               <a:pPr/>
-              <a:t>2019/7/21</a:t>
+              <a:t>2022/9/10</a:t>
             </a:fld>
             <a:endParaRPr lang="zh-TW" altLang="en-US"/>
           </a:p>
@@ -801,7 +820,7 @@
             <a:fld id="{5F2FEBC7-1878-4A7C-90B4-7CF6417F5DC7}" type="datetimeFigureOut">
               <a:rPr lang="zh-TW" altLang="en-US" smtClean="0"/>
               <a:pPr/>
-              <a:t>2019/7/21</a:t>
+              <a:t>2022/9/10</a:t>
             </a:fld>
             <a:endParaRPr lang="zh-TW" altLang="en-US"/>
           </a:p>
@@ -1044,7 +1063,7 @@
             <a:fld id="{5F2FEBC7-1878-4A7C-90B4-7CF6417F5DC7}" type="datetimeFigureOut">
               <a:rPr lang="zh-TW" altLang="en-US" smtClean="0"/>
               <a:pPr/>
-              <a:t>2019/7/21</a:t>
+              <a:t>2022/9/10</a:t>
             </a:fld>
             <a:endParaRPr lang="zh-TW" altLang="en-US"/>
           </a:p>
@@ -1329,7 +1348,7 @@
             <a:fld id="{5F2FEBC7-1878-4A7C-90B4-7CF6417F5DC7}" type="datetimeFigureOut">
               <a:rPr lang="zh-TW" altLang="en-US" smtClean="0"/>
               <a:pPr/>
-              <a:t>2019/7/21</a:t>
+              <a:t>2022/9/10</a:t>
             </a:fld>
             <a:endParaRPr lang="zh-TW" altLang="en-US"/>
           </a:p>
@@ -1748,7 +1767,7 @@
             <a:fld id="{5F2FEBC7-1878-4A7C-90B4-7CF6417F5DC7}" type="datetimeFigureOut">
               <a:rPr lang="zh-TW" altLang="en-US" smtClean="0"/>
               <a:pPr/>
-              <a:t>2019/7/21</a:t>
+              <a:t>2022/9/10</a:t>
             </a:fld>
             <a:endParaRPr lang="zh-TW" altLang="en-US"/>
           </a:p>
@@ -1863,7 +1882,7 @@
             <a:fld id="{5F2FEBC7-1878-4A7C-90B4-7CF6417F5DC7}" type="datetimeFigureOut">
               <a:rPr lang="zh-TW" altLang="en-US" smtClean="0"/>
               <a:pPr/>
-              <a:t>2019/7/21</a:t>
+              <a:t>2022/9/10</a:t>
             </a:fld>
             <a:endParaRPr lang="zh-TW" altLang="en-US"/>
           </a:p>
@@ -1955,7 +1974,7 @@
             <a:fld id="{5F2FEBC7-1878-4A7C-90B4-7CF6417F5DC7}" type="datetimeFigureOut">
               <a:rPr lang="zh-TW" altLang="en-US" smtClean="0"/>
               <a:pPr/>
-              <a:t>2019/7/21</a:t>
+              <a:t>2022/9/10</a:t>
             </a:fld>
             <a:endParaRPr lang="zh-TW" altLang="en-US"/>
           </a:p>
@@ -2229,7 +2248,7 @@
             <a:fld id="{5F2FEBC7-1878-4A7C-90B4-7CF6417F5DC7}" type="datetimeFigureOut">
               <a:rPr lang="zh-TW" altLang="en-US" smtClean="0"/>
               <a:pPr/>
-              <a:t>2019/7/21</a:t>
+              <a:t>2022/9/10</a:t>
             </a:fld>
             <a:endParaRPr lang="zh-TW" altLang="en-US"/>
           </a:p>
@@ -2483,7 +2502,7 @@
             <a:fld id="{5F2FEBC7-1878-4A7C-90B4-7CF6417F5DC7}" type="datetimeFigureOut">
               <a:rPr lang="zh-TW" altLang="en-US" smtClean="0"/>
               <a:pPr/>
-              <a:t>2019/7/21</a:t>
+              <a:t>2022/9/10</a:t>
             </a:fld>
             <a:endParaRPr lang="zh-TW" altLang="en-US"/>
           </a:p>
@@ -2698,7 +2717,7 @@
             <a:fld id="{5F2FEBC7-1878-4A7C-90B4-7CF6417F5DC7}" type="datetimeFigureOut">
               <a:rPr lang="zh-TW" altLang="en-US" smtClean="0"/>
               <a:pPr/>
-              <a:t>2019/7/21</a:t>
+              <a:t>2022/9/10</a:t>
             </a:fld>
             <a:endParaRPr lang="zh-TW" altLang="en-US"/>
           </a:p>
@@ -3079,136 +3098,61 @@
             <p:ph type="title"/>
           </p:nvPr>
         </p:nvSpPr>
-        <p:spPr/>
+        <p:spPr>
+          <a:xfrm>
+            <a:off x="0" y="1995686"/>
+            <a:ext cx="9144000" cy="857250"/>
+          </a:xfrm>
+        </p:spPr>
         <p:txBody>
           <a:bodyPr>
-            <a:normAutofit/>
+            <a:noAutofit/>
           </a:bodyPr>
           <a:lstStyle/>
           <a:p>
             <a:r>
-              <a:rPr lang="zh-TW" altLang="en-US" sz="4000" b="1" dirty="0">
+              <a:rPr lang="zh-TW" altLang="en-US" sz="5400" b="1" i="1" dirty="0" smtClean="0">
+                <a:solidFill>
+                  <a:srgbClr val="660033"/>
+                </a:solidFill>
+                <a:effectLst>
+                  <a:outerShdw blurRad="38100" dist="38100" dir="2700000" algn="tl">
+                    <a:srgbClr val="000000">
+                      <a:alpha val="43137"/>
+                    </a:srgbClr>
+                  </a:outerShdw>
+                </a:effectLst>
                 <a:latin typeface="微軟正黑體" pitchFamily="34" charset="-120"/>
                 <a:ea typeface="微軟正黑體" pitchFamily="34" charset="-120"/>
               </a:rPr>
-              <a:t>耶穌常伴我</a:t>
-            </a:r>
-          </a:p>
-        </p:txBody>
-      </p:sp>
-      <p:sp>
-        <p:nvSpPr>
-          <p:cNvPr id="5" name="內容版面配置區 4"/>
-          <p:cNvSpPr>
-            <a:spLocks noGrp="1"/>
-          </p:cNvSpPr>
-          <p:nvPr>
-            <p:ph idx="1"/>
-          </p:nvPr>
-        </p:nvSpPr>
-        <p:spPr>
-          <a:xfrm>
-            <a:off x="0" y="1200151"/>
-            <a:ext cx="9144000" cy="3394472"/>
-          </a:xfrm>
-        </p:spPr>
-        <p:txBody>
-          <a:bodyPr>
-            <a:normAutofit/>
-          </a:bodyPr>
-          <a:lstStyle/>
-          <a:p>
-            <a:pPr algn="ctr">
-              <a:buNone/>
-            </a:pPr>
-            <a:r>
-              <a:rPr lang="zh-TW" altLang="en-US" sz="4800" b="1" dirty="0">
+              <a:t>耶</a:t>
+            </a:r>
+            <a:r>
+              <a:rPr lang="zh-TW" altLang="en-US" sz="5400" b="1" i="1" dirty="0">
+                <a:solidFill>
+                  <a:srgbClr val="660033"/>
+                </a:solidFill>
+                <a:effectLst>
+                  <a:outerShdw blurRad="38100" dist="38100" dir="2700000" algn="tl">
+                    <a:srgbClr val="000000">
+                      <a:alpha val="43137"/>
+                    </a:srgbClr>
+                  </a:outerShdw>
+                </a:effectLst>
                 <a:latin typeface="微軟正黑體" pitchFamily="34" charset="-120"/>
                 <a:ea typeface="微軟正黑體" pitchFamily="34" charset="-120"/>
               </a:rPr>
-              <a:t>耶穌常伴我 </a:t>
-            </a:r>
-            <a:r>
-              <a:rPr lang="zh-TW" altLang="en-US" sz="4800" b="1" dirty="0" smtClean="0">
-                <a:latin typeface="微軟正黑體" pitchFamily="34" charset="-120"/>
-                <a:ea typeface="微軟正黑體" pitchFamily="34" charset="-120"/>
-              </a:rPr>
-              <a:t> 事</a:t>
-            </a:r>
-            <a:r>
-              <a:rPr lang="zh-TW" altLang="en-US" sz="4800" b="1" dirty="0">
-                <a:latin typeface="微軟正黑體" pitchFamily="34" charset="-120"/>
-                <a:ea typeface="微軟正黑體" pitchFamily="34" charset="-120"/>
-              </a:rPr>
-              <a:t>事伴我走</a:t>
-            </a:r>
-          </a:p>
-          <a:p>
-            <a:pPr algn="ctr">
-              <a:buNone/>
-            </a:pPr>
-            <a:r>
-              <a:rPr lang="zh-TW" altLang="en-US" sz="4800" b="1" dirty="0" smtClean="0">
-                <a:latin typeface="微軟正黑體" pitchFamily="34" charset="-120"/>
-                <a:ea typeface="微軟正黑體" pitchFamily="34" charset="-120"/>
-              </a:rPr>
-              <a:t>處處</a:t>
-            </a:r>
-            <a:r>
-              <a:rPr lang="zh-CN" altLang="en-US" sz="4800" b="1" dirty="0" smtClean="0">
-                <a:latin typeface="微軟正黑體" pitchFamily="34" charset="-120"/>
-                <a:ea typeface="微軟正黑體" pitchFamily="34" charset="-120"/>
-              </a:rPr>
-              <a:t>你</a:t>
-            </a:r>
-            <a:r>
-              <a:rPr lang="zh-TW" altLang="en-US" sz="4800" b="1" dirty="0" smtClean="0">
-                <a:latin typeface="微軟正黑體" pitchFamily="34" charset="-120"/>
-                <a:ea typeface="微軟正黑體" pitchFamily="34" charset="-120"/>
-              </a:rPr>
-              <a:t>分憂</a:t>
-            </a:r>
-            <a:endParaRPr lang="en-US" altLang="zh-TW" sz="4800" b="1" dirty="0" smtClean="0">
-              <a:latin typeface="微軟正黑體" pitchFamily="34" charset="-120"/>
-              <a:ea typeface="微軟正黑體" pitchFamily="34" charset="-120"/>
-            </a:endParaRPr>
-          </a:p>
-          <a:p>
-            <a:pPr algn="ctr">
-              <a:buNone/>
-            </a:pPr>
-            <a:r>
-              <a:rPr lang="zh-TW" altLang="en-US" sz="4800" b="1" dirty="0" smtClean="0">
-                <a:latin typeface="微軟正黑體" pitchFamily="34" charset="-120"/>
-                <a:ea typeface="微軟正黑體" pitchFamily="34" charset="-120"/>
-              </a:rPr>
-              <a:t>耶穌</a:t>
-            </a:r>
-            <a:r>
-              <a:rPr lang="zh-TW" altLang="en-US" sz="4800" b="1" dirty="0">
-                <a:latin typeface="微軟正黑體" pitchFamily="34" charset="-120"/>
-                <a:ea typeface="微軟正黑體" pitchFamily="34" charset="-120"/>
-              </a:rPr>
-              <a:t>常伴</a:t>
-            </a:r>
-            <a:r>
-              <a:rPr lang="zh-TW" altLang="en-US" sz="4800" b="1" dirty="0" smtClean="0">
-                <a:latin typeface="微軟正黑體" pitchFamily="34" charset="-120"/>
-                <a:ea typeface="微軟正黑體" pitchFamily="34" charset="-120"/>
-              </a:rPr>
-              <a:t>我  大路</a:t>
-            </a:r>
-            <a:r>
-              <a:rPr lang="zh-TW" altLang="en-US" sz="4800" b="1" dirty="0">
-                <a:latin typeface="微軟正黑體" pitchFamily="34" charset="-120"/>
-                <a:ea typeface="微軟正黑體" pitchFamily="34" charset="-120"/>
-              </a:rPr>
-              <a:t>窄巷都走過</a:t>
+              <a:t>穌常伴我</a:t>
             </a:r>
           </a:p>
         </p:txBody>
       </p:sp>
     </p:spTree>
+    <p:extLst>
+      <p:ext uri="{BB962C8B-B14F-4D97-AF65-F5344CB8AC3E}">
+        <p14:creationId xmlns:p14="http://schemas.microsoft.com/office/powerpoint/2010/main" val="989328990"/>
+      </p:ext>
+    </p:extLst>
   </p:cSld>
   <p:clrMapOvr>
     <a:masterClrMapping/>
@@ -3235,155 +3179,739 @@
       </p:grpSpPr>
       <p:sp>
         <p:nvSpPr>
-          <p:cNvPr id="4" name="標題 3"/>
-          <p:cNvSpPr>
-            <a:spLocks noGrp="1"/>
-          </p:cNvSpPr>
-          <p:nvPr>
-            <p:ph type="title"/>
-          </p:nvPr>
-        </p:nvSpPr>
-        <p:spPr/>
-        <p:txBody>
-          <a:bodyPr>
+          <p:cNvPr id="5" name="內容版面配置區 4"/>
+          <p:cNvSpPr>
+            <a:spLocks noGrp="1"/>
+          </p:cNvSpPr>
+          <p:nvPr>
+            <p:ph idx="1"/>
+          </p:nvPr>
+        </p:nvSpPr>
+        <p:spPr>
+          <a:xfrm>
+            <a:off x="0" y="1563638"/>
+            <a:ext cx="9144000" cy="1803647"/>
+          </a:xfrm>
+        </p:spPr>
+        <p:txBody>
+          <a:bodyPr anchor="ctr">
             <a:normAutofit/>
           </a:bodyPr>
           <a:lstStyle/>
           <a:p>
-            <a:r>
-              <a:rPr lang="zh-TW" altLang="en-US" sz="4000" b="1" dirty="0">
+            <a:pPr algn="ctr">
+              <a:buNone/>
+            </a:pPr>
+            <a:r>
+              <a:rPr lang="zh-TW" altLang="en-US" sz="4800" b="1" dirty="0" smtClean="0">
+                <a:solidFill>
+                  <a:srgbClr val="660033"/>
+                </a:solidFill>
                 <a:latin typeface="微軟正黑體" pitchFamily="34" charset="-120"/>
                 <a:ea typeface="微軟正黑體" pitchFamily="34" charset="-120"/>
               </a:rPr>
-              <a:t>耶穌常伴我</a:t>
-            </a:r>
-          </a:p>
-        </p:txBody>
-      </p:sp>
-      <p:sp>
-        <p:nvSpPr>
-          <p:cNvPr id="5" name="內容版面配置區 4"/>
-          <p:cNvSpPr>
-            <a:spLocks noGrp="1"/>
-          </p:cNvSpPr>
-          <p:nvPr>
-            <p:ph idx="1"/>
-          </p:nvPr>
-        </p:nvSpPr>
-        <p:spPr>
-          <a:xfrm>
-            <a:off x="0" y="1200151"/>
-            <a:ext cx="9144000" cy="3394472"/>
-          </a:xfrm>
-        </p:spPr>
-        <p:txBody>
-          <a:bodyPr>
-            <a:normAutofit/>
-          </a:bodyPr>
-          <a:lstStyle/>
-          <a:p>
-            <a:pPr algn="ctr">
-              <a:buNone/>
-            </a:pPr>
+              <a:t>耶</a:t>
+            </a:r>
             <a:r>
               <a:rPr lang="zh-TW" altLang="en-US" sz="4800" b="1" dirty="0">
+                <a:solidFill>
+                  <a:srgbClr val="660033"/>
+                </a:solidFill>
                 <a:latin typeface="微軟正黑體" pitchFamily="34" charset="-120"/>
                 <a:ea typeface="微軟正黑體" pitchFamily="34" charset="-120"/>
               </a:rPr>
-              <a:t>愛我錫我親</a:t>
-            </a:r>
-            <a:r>
-              <a:rPr lang="zh-TW" altLang="en-US" sz="4800" b="1" dirty="0" smtClean="0">
+              <a:t>穌常伴我  事事伴我走</a:t>
+            </a:r>
+          </a:p>
+          <a:p>
+            <a:pPr algn="ctr">
+              <a:buNone/>
+            </a:pPr>
+            <a:r>
+              <a:rPr lang="zh-TW" altLang="en-US" sz="4800" b="1" dirty="0">
+                <a:solidFill>
+                  <a:srgbClr val="660033"/>
+                </a:solidFill>
                 <a:latin typeface="微軟正黑體" pitchFamily="34" charset="-120"/>
                 <a:ea typeface="微軟正黑體" pitchFamily="34" charset="-120"/>
               </a:rPr>
-              <a:t>我  日日夜夜幫助</a:t>
-            </a:r>
-            <a:endParaRPr lang="en-US" altLang="zh-TW" sz="4800" b="1" dirty="0" smtClean="0">
-              <a:latin typeface="微軟正黑體" pitchFamily="34" charset="-120"/>
-              <a:ea typeface="微軟正黑體" pitchFamily="34" charset="-120"/>
-            </a:endParaRPr>
-          </a:p>
-          <a:p>
-            <a:pPr algn="ctr">
-              <a:buNone/>
-            </a:pPr>
-            <a:r>
-              <a:rPr lang="zh-TW" altLang="en-US" sz="4800" b="1" dirty="0" smtClean="0">
+              <a:t>處處</a:t>
+            </a:r>
+            <a:r>
+              <a:rPr lang="zh-CN" altLang="en-US" sz="4800" b="1" dirty="0">
+                <a:solidFill>
+                  <a:srgbClr val="660033"/>
+                </a:solidFill>
                 <a:latin typeface="微軟正黑體" pitchFamily="34" charset="-120"/>
                 <a:ea typeface="微軟正黑體" pitchFamily="34" charset="-120"/>
               </a:rPr>
-              <a:t>事</a:t>
+              <a:t>袮</a:t>
             </a:r>
             <a:r>
               <a:rPr lang="zh-TW" altLang="en-US" sz="4800" b="1" dirty="0">
-                <a:latin typeface="微軟正黑體" pitchFamily="34" charset="-120"/>
-                <a:ea typeface="微軟正黑體" pitchFamily="34" charset="-120"/>
-              </a:rPr>
-              <a:t>事伴我走 </a:t>
-            </a:r>
-            <a:r>
-              <a:rPr lang="zh-TW" altLang="en-US" sz="4800" b="1" dirty="0" smtClean="0">
-                <a:latin typeface="微軟正黑體" pitchFamily="34" charset="-120"/>
-                <a:ea typeface="微軟正黑體" pitchFamily="34" charset="-120"/>
-              </a:rPr>
-              <a:t> 處處</a:t>
-            </a:r>
-            <a:r>
-              <a:rPr lang="zh-TW" altLang="en-US" sz="4800" b="1" dirty="0">
-                <a:latin typeface="微軟正黑體" pitchFamily="34" charset="-120"/>
-                <a:ea typeface="微軟正黑體" pitchFamily="34" charset="-120"/>
-              </a:rPr>
-              <a:t>你</a:t>
-            </a:r>
-            <a:r>
-              <a:rPr lang="zh-TW" altLang="en-US" sz="4800" b="1" dirty="0" smtClean="0">
+                <a:solidFill>
+                  <a:srgbClr val="660033"/>
+                </a:solidFill>
                 <a:latin typeface="微軟正黑體" pitchFamily="34" charset="-120"/>
                 <a:ea typeface="微軟正黑體" pitchFamily="34" charset="-120"/>
               </a:rPr>
               <a:t>分憂</a:t>
             </a:r>
-            <a:endParaRPr lang="en-US" altLang="zh-TW" sz="4800" b="1" dirty="0" smtClean="0">
+            <a:endParaRPr lang="en-US" altLang="zh-TW" sz="4800" b="1" dirty="0">
+              <a:solidFill>
+                <a:srgbClr val="660033"/>
+              </a:solidFill>
               <a:latin typeface="微軟正黑體" pitchFamily="34" charset="-120"/>
               <a:ea typeface="微軟正黑體" pitchFamily="34" charset="-120"/>
             </a:endParaRPr>
           </a:p>
+        </p:txBody>
+      </p:sp>
+      <p:sp>
+        <p:nvSpPr>
+          <p:cNvPr id="3" name="TextBox 2"/>
+          <p:cNvSpPr txBox="1"/>
+          <p:nvPr/>
+        </p:nvSpPr>
+        <p:spPr>
+          <a:xfrm>
+            <a:off x="0" y="3867894"/>
+            <a:ext cx="9144000" cy="584775"/>
+          </a:xfrm>
+          <a:prstGeom prst="rect">
+            <a:avLst/>
+          </a:prstGeom>
+          <a:noFill/>
+        </p:spPr>
+        <p:txBody>
+          <a:bodyPr wrap="square" rtlCol="0">
+            <a:spAutoFit/>
+          </a:bodyPr>
+          <a:lstStyle/>
+          <a:p>
+            <a:pPr algn="ctr"/>
+            <a:r>
+              <a:rPr lang="en-US" sz="3200" b="1" dirty="0" smtClean="0">
+                <a:solidFill>
+                  <a:srgbClr val="660033"/>
+                </a:solidFill>
+                <a:latin typeface="Microsoft JhengHei" panose="020B0604030504040204" pitchFamily="34" charset="-120"/>
+                <a:ea typeface="Microsoft JhengHei" panose="020B0604030504040204" pitchFamily="34" charset="-120"/>
+              </a:rPr>
+              <a:t>( </a:t>
+            </a:r>
+            <a:r>
+              <a:rPr lang="zh-CN" altLang="en-US" sz="3200" b="1" dirty="0" smtClean="0">
+                <a:solidFill>
+                  <a:srgbClr val="660033"/>
+                </a:solidFill>
+                <a:latin typeface="Microsoft JhengHei" panose="020B0604030504040204" pitchFamily="34" charset="-120"/>
+                <a:ea typeface="Microsoft JhengHei" panose="020B0604030504040204" pitchFamily="34" charset="-120"/>
+              </a:rPr>
+              <a:t>正</a:t>
+            </a:r>
+            <a:r>
+              <a:rPr lang="en-US" sz="3200" b="1" dirty="0" smtClean="0">
+                <a:solidFill>
+                  <a:srgbClr val="660033"/>
+                </a:solidFill>
+                <a:latin typeface="Microsoft JhengHei" panose="020B0604030504040204" pitchFamily="34" charset="-120"/>
+                <a:ea typeface="Microsoft JhengHei" panose="020B0604030504040204" pitchFamily="34" charset="-120"/>
+              </a:rPr>
+              <a:t> )</a:t>
+            </a:r>
+            <a:endParaRPr lang="vi-VN" sz="3200" b="1" dirty="0">
+              <a:solidFill>
+                <a:srgbClr val="660033"/>
+              </a:solidFill>
+              <a:ea typeface="Microsoft JhengHei" panose="020B0604030504040204" pitchFamily="34" charset="-120"/>
+            </a:endParaRPr>
+          </a:p>
+        </p:txBody>
+      </p:sp>
+    </p:spTree>
+    <p:extLst>
+      <p:ext uri="{BB962C8B-B14F-4D97-AF65-F5344CB8AC3E}">
+        <p14:creationId xmlns:p14="http://schemas.microsoft.com/office/powerpoint/2010/main" val="253124931"/>
+      </p:ext>
+    </p:extLst>
+  </p:cSld>
+  <p:clrMapOvr>
+    <a:masterClrMapping/>
+  </p:clrMapOvr>
+</p:sld>
+</file>
+
+<file path=ppt/slides/slide3.xml><?xml version="1.0" encoding="utf-8"?>
+<p:sld xmlns:a="http://schemas.openxmlformats.org/drawingml/2006/main" xmlns:r="http://schemas.openxmlformats.org/officeDocument/2006/relationships" xmlns:p="http://schemas.openxmlformats.org/presentationml/2006/main">
+  <p:cSld>
+    <p:spTree>
+      <p:nvGrpSpPr>
+        <p:cNvPr id="1" name=""/>
+        <p:cNvGrpSpPr/>
+        <p:nvPr/>
+      </p:nvGrpSpPr>
+      <p:grpSpPr>
+        <a:xfrm>
+          <a:off x="0" y="0"/>
+          <a:ext cx="0" cy="0"/>
+          <a:chOff x="0" y="0"/>
+          <a:chExt cx="0" cy="0"/>
+        </a:xfrm>
+      </p:grpSpPr>
+      <p:sp>
+        <p:nvSpPr>
+          <p:cNvPr id="5" name="內容版面配置區 4"/>
+          <p:cNvSpPr>
+            <a:spLocks noGrp="1"/>
+          </p:cNvSpPr>
+          <p:nvPr>
+            <p:ph idx="1"/>
+          </p:nvPr>
+        </p:nvSpPr>
+        <p:spPr>
+          <a:xfrm>
+            <a:off x="0" y="1563638"/>
+            <a:ext cx="9144000" cy="1803647"/>
+          </a:xfrm>
+        </p:spPr>
+        <p:txBody>
+          <a:bodyPr anchor="ctr">
+            <a:normAutofit/>
+          </a:bodyPr>
+          <a:lstStyle/>
           <a:p>
             <a:pPr algn="ctr">
               <a:buNone/>
             </a:pPr>
             <a:r>
-              <a:rPr lang="zh-TW" altLang="en-US" sz="4800" b="1" dirty="0" smtClean="0">
+              <a:rPr lang="zh-TW" altLang="en-US" sz="4800" b="1" dirty="0">
+                <a:solidFill>
+                  <a:srgbClr val="660033"/>
+                </a:solidFill>
                 <a:latin typeface="微軟正黑體" pitchFamily="34" charset="-120"/>
                 <a:ea typeface="微軟正黑體" pitchFamily="34" charset="-120"/>
               </a:rPr>
-              <a:t>耶穌</a:t>
+              <a:t>耶穌常伴</a:t>
             </a:r>
             <a:r>
               <a:rPr lang="zh-TW" altLang="en-US" sz="4800" b="1" dirty="0">
+                <a:solidFill>
+                  <a:srgbClr val="660033"/>
+                </a:solidFill>
                 <a:latin typeface="微軟正黑體" pitchFamily="34" charset="-120"/>
                 <a:ea typeface="微軟正黑體" pitchFamily="34" charset="-120"/>
               </a:rPr>
-              <a:t>常伴</a:t>
-            </a:r>
-            <a:r>
-              <a:rPr lang="zh-TW" altLang="en-US" sz="4800" b="1" dirty="0" smtClean="0">
+              <a:t>我</a:t>
+            </a:r>
+            <a:endParaRPr lang="en-US" altLang="zh-TW" sz="4800" b="1" dirty="0">
+              <a:solidFill>
+                <a:srgbClr val="660033"/>
+              </a:solidFill>
+              <a:latin typeface="微軟正黑體" pitchFamily="34" charset="-120"/>
+              <a:ea typeface="微軟正黑體" pitchFamily="34" charset="-120"/>
+            </a:endParaRPr>
+          </a:p>
+          <a:p>
+            <a:pPr algn="ctr">
+              <a:buNone/>
+            </a:pPr>
+            <a:r>
+              <a:rPr lang="zh-TW" altLang="en-US" sz="4800" b="1" dirty="0">
+                <a:solidFill>
+                  <a:srgbClr val="660033"/>
+                </a:solidFill>
                 <a:latin typeface="微軟正黑體" pitchFamily="34" charset="-120"/>
                 <a:ea typeface="微軟正黑體" pitchFamily="34" charset="-120"/>
               </a:rPr>
-              <a:t>我  大路</a:t>
+              <a:t>大</a:t>
             </a:r>
             <a:r>
               <a:rPr lang="zh-TW" altLang="en-US" sz="4800" b="1" dirty="0">
+                <a:solidFill>
+                  <a:srgbClr val="660033"/>
+                </a:solidFill>
                 <a:latin typeface="微軟正黑體" pitchFamily="34" charset="-120"/>
                 <a:ea typeface="微軟正黑體" pitchFamily="34" charset="-120"/>
               </a:rPr>
-              <a:t>窄巷都走過</a:t>
-            </a:r>
+              <a:t>路窄巷都走過</a:t>
+            </a:r>
+            <a:endParaRPr lang="en-US" altLang="zh-TW" sz="4800" b="1" dirty="0">
+              <a:solidFill>
+                <a:srgbClr val="660033"/>
+              </a:solidFill>
+              <a:latin typeface="微軟正黑體" pitchFamily="34" charset="-120"/>
+              <a:ea typeface="微軟正黑體" pitchFamily="34" charset="-120"/>
+            </a:endParaRPr>
+          </a:p>
+        </p:txBody>
+      </p:sp>
+      <p:sp>
+        <p:nvSpPr>
+          <p:cNvPr id="3" name="TextBox 2"/>
+          <p:cNvSpPr txBox="1"/>
+          <p:nvPr/>
+        </p:nvSpPr>
+        <p:spPr>
+          <a:xfrm>
+            <a:off x="0" y="3867894"/>
+            <a:ext cx="9144000" cy="584775"/>
+          </a:xfrm>
+          <a:prstGeom prst="rect">
+            <a:avLst/>
+          </a:prstGeom>
+          <a:noFill/>
+        </p:spPr>
+        <p:txBody>
+          <a:bodyPr wrap="square" rtlCol="0">
+            <a:spAutoFit/>
+          </a:bodyPr>
+          <a:lstStyle/>
+          <a:p>
+            <a:pPr algn="ctr"/>
+            <a:r>
+              <a:rPr lang="en-US" sz="3200" b="1" dirty="0" smtClean="0">
+                <a:solidFill>
+                  <a:srgbClr val="660033"/>
+                </a:solidFill>
+                <a:latin typeface="Microsoft JhengHei" panose="020B0604030504040204" pitchFamily="34" charset="-120"/>
+                <a:ea typeface="Microsoft JhengHei" panose="020B0604030504040204" pitchFamily="34" charset="-120"/>
+              </a:rPr>
+              <a:t>( </a:t>
+            </a:r>
+            <a:r>
+              <a:rPr lang="zh-CN" altLang="en-US" sz="3200" b="1" dirty="0" smtClean="0">
+                <a:solidFill>
+                  <a:srgbClr val="660033"/>
+                </a:solidFill>
+                <a:latin typeface="Microsoft JhengHei" panose="020B0604030504040204" pitchFamily="34" charset="-120"/>
+                <a:ea typeface="Microsoft JhengHei" panose="020B0604030504040204" pitchFamily="34" charset="-120"/>
+              </a:rPr>
+              <a:t>正</a:t>
+            </a:r>
+            <a:r>
+              <a:rPr lang="en-US" sz="3200" b="1" dirty="0" smtClean="0">
+                <a:solidFill>
+                  <a:srgbClr val="660033"/>
+                </a:solidFill>
+                <a:latin typeface="Microsoft JhengHei" panose="020B0604030504040204" pitchFamily="34" charset="-120"/>
+                <a:ea typeface="Microsoft JhengHei" panose="020B0604030504040204" pitchFamily="34" charset="-120"/>
+              </a:rPr>
+              <a:t> )</a:t>
+            </a:r>
+            <a:endParaRPr lang="vi-VN" sz="3200" b="1" dirty="0">
+              <a:solidFill>
+                <a:srgbClr val="660033"/>
+              </a:solidFill>
+              <a:ea typeface="Microsoft JhengHei" panose="020B0604030504040204" pitchFamily="34" charset="-120"/>
+            </a:endParaRPr>
           </a:p>
         </p:txBody>
       </p:sp>
     </p:spTree>
+    <p:extLst>
+      <p:ext uri="{BB962C8B-B14F-4D97-AF65-F5344CB8AC3E}">
+        <p14:creationId xmlns:p14="http://schemas.microsoft.com/office/powerpoint/2010/main" val="2234158776"/>
+      </p:ext>
+    </p:extLst>
+  </p:cSld>
+  <p:clrMapOvr>
+    <a:masterClrMapping/>
+  </p:clrMapOvr>
+</p:sld>
+</file>
+
+<file path=ppt/slides/slide4.xml><?xml version="1.0" encoding="utf-8"?>
+<p:sld xmlns:a="http://schemas.openxmlformats.org/drawingml/2006/main" xmlns:r="http://schemas.openxmlformats.org/officeDocument/2006/relationships" xmlns:p="http://schemas.openxmlformats.org/presentationml/2006/main">
+  <p:cSld>
+    <p:spTree>
+      <p:nvGrpSpPr>
+        <p:cNvPr id="1" name=""/>
+        <p:cNvGrpSpPr/>
+        <p:nvPr/>
+      </p:nvGrpSpPr>
+      <p:grpSpPr>
+        <a:xfrm>
+          <a:off x="0" y="0"/>
+          <a:ext cx="0" cy="0"/>
+          <a:chOff x="0" y="0"/>
+          <a:chExt cx="0" cy="0"/>
+        </a:xfrm>
+      </p:grpSpPr>
+      <p:sp>
+        <p:nvSpPr>
+          <p:cNvPr id="5" name="內容版面配置區 4"/>
+          <p:cNvSpPr>
+            <a:spLocks noGrp="1"/>
+          </p:cNvSpPr>
+          <p:nvPr>
+            <p:ph idx="1"/>
+          </p:nvPr>
+        </p:nvSpPr>
+        <p:spPr>
+          <a:xfrm>
+            <a:off x="0" y="1563638"/>
+            <a:ext cx="9144000" cy="1803647"/>
+          </a:xfrm>
+        </p:spPr>
+        <p:txBody>
+          <a:bodyPr anchor="ctr">
+            <a:normAutofit/>
+          </a:bodyPr>
+          <a:lstStyle/>
+          <a:p>
+            <a:pPr algn="ctr">
+              <a:buNone/>
+            </a:pPr>
+            <a:r>
+              <a:rPr lang="zh-TW" altLang="en-US" sz="4800" b="1" dirty="0">
+                <a:solidFill>
+                  <a:srgbClr val="660033"/>
+                </a:solidFill>
+                <a:latin typeface="微軟正黑體" pitchFamily="34" charset="-120"/>
+                <a:ea typeface="微軟正黑體" pitchFamily="34" charset="-120"/>
+              </a:rPr>
+              <a:t>愛我錫我親我  日日夜夜幫助</a:t>
+            </a:r>
+            <a:endParaRPr lang="en-US" altLang="zh-TW" sz="4800" b="1" dirty="0">
+              <a:solidFill>
+                <a:srgbClr val="660033"/>
+              </a:solidFill>
+              <a:latin typeface="微軟正黑體" pitchFamily="34" charset="-120"/>
+              <a:ea typeface="微軟正黑體" pitchFamily="34" charset="-120"/>
+            </a:endParaRPr>
+          </a:p>
+          <a:p>
+            <a:pPr algn="ctr">
+              <a:buNone/>
+            </a:pPr>
+            <a:r>
+              <a:rPr lang="zh-TW" altLang="en-US" sz="4800" b="1" dirty="0">
+                <a:solidFill>
+                  <a:srgbClr val="660033"/>
+                </a:solidFill>
+                <a:latin typeface="微軟正黑體" pitchFamily="34" charset="-120"/>
+                <a:ea typeface="微軟正黑體" pitchFamily="34" charset="-120"/>
+              </a:rPr>
+              <a:t>事事伴我走  處</a:t>
+            </a:r>
+            <a:r>
+              <a:rPr lang="zh-TW" altLang="en-US" sz="4800" b="1" dirty="0">
+                <a:solidFill>
+                  <a:srgbClr val="660033"/>
+                </a:solidFill>
+                <a:latin typeface="微軟正黑體" pitchFamily="34" charset="-120"/>
+                <a:ea typeface="微軟正黑體" pitchFamily="34" charset="-120"/>
+              </a:rPr>
+              <a:t>處</a:t>
+            </a:r>
+            <a:r>
+              <a:rPr lang="zh-CN" altLang="en-US" sz="4800" b="1" dirty="0">
+                <a:solidFill>
+                  <a:srgbClr val="660033"/>
+                </a:solidFill>
+                <a:latin typeface="微軟正黑體" pitchFamily="34" charset="-120"/>
+                <a:ea typeface="微軟正黑體" pitchFamily="34" charset="-120"/>
+              </a:rPr>
+              <a:t>袮</a:t>
+            </a:r>
+            <a:r>
+              <a:rPr lang="zh-TW" altLang="en-US" sz="4800" b="1" dirty="0">
+                <a:solidFill>
+                  <a:srgbClr val="660033"/>
+                </a:solidFill>
+                <a:latin typeface="微軟正黑體" pitchFamily="34" charset="-120"/>
+                <a:ea typeface="微軟正黑體" pitchFamily="34" charset="-120"/>
+              </a:rPr>
+              <a:t>分</a:t>
+            </a:r>
+            <a:r>
+              <a:rPr lang="zh-TW" altLang="en-US" sz="4800" b="1" dirty="0">
+                <a:solidFill>
+                  <a:srgbClr val="660033"/>
+                </a:solidFill>
+                <a:latin typeface="微軟正黑體" pitchFamily="34" charset="-120"/>
+                <a:ea typeface="微軟正黑體" pitchFamily="34" charset="-120"/>
+              </a:rPr>
+              <a:t>憂</a:t>
+            </a:r>
+            <a:endParaRPr lang="en-US" altLang="zh-TW" sz="4800" b="1" dirty="0">
+              <a:solidFill>
+                <a:srgbClr val="660033"/>
+              </a:solidFill>
+              <a:latin typeface="微軟正黑體" pitchFamily="34" charset="-120"/>
+              <a:ea typeface="微軟正黑體" pitchFamily="34" charset="-120"/>
+            </a:endParaRPr>
+          </a:p>
+        </p:txBody>
+      </p:sp>
+      <p:sp>
+        <p:nvSpPr>
+          <p:cNvPr id="3" name="TextBox 2"/>
+          <p:cNvSpPr txBox="1"/>
+          <p:nvPr/>
+        </p:nvSpPr>
+        <p:spPr>
+          <a:xfrm>
+            <a:off x="0" y="3867894"/>
+            <a:ext cx="9144000" cy="584775"/>
+          </a:xfrm>
+          <a:prstGeom prst="rect">
+            <a:avLst/>
+          </a:prstGeom>
+          <a:noFill/>
+        </p:spPr>
+        <p:txBody>
+          <a:bodyPr wrap="square" rtlCol="0">
+            <a:spAutoFit/>
+          </a:bodyPr>
+          <a:lstStyle/>
+          <a:p>
+            <a:pPr algn="ctr"/>
+            <a:r>
+              <a:rPr lang="en-US" sz="3200" b="1" dirty="0" smtClean="0">
+                <a:solidFill>
+                  <a:srgbClr val="660033"/>
+                </a:solidFill>
+                <a:latin typeface="Microsoft JhengHei" panose="020B0604030504040204" pitchFamily="34" charset="-120"/>
+                <a:ea typeface="Microsoft JhengHei" panose="020B0604030504040204" pitchFamily="34" charset="-120"/>
+              </a:rPr>
+              <a:t>( </a:t>
+            </a:r>
+            <a:r>
+              <a:rPr lang="zh-CN" altLang="en-US" sz="3200" b="1" dirty="0" smtClean="0">
+                <a:solidFill>
+                  <a:srgbClr val="660033"/>
+                </a:solidFill>
+                <a:latin typeface="Microsoft JhengHei" panose="020B0604030504040204" pitchFamily="34" charset="-120"/>
+                <a:ea typeface="Microsoft JhengHei" panose="020B0604030504040204" pitchFamily="34" charset="-120"/>
+              </a:rPr>
+              <a:t>副</a:t>
+            </a:r>
+            <a:r>
+              <a:rPr lang="en-US" sz="3200" b="1" dirty="0" smtClean="0">
+                <a:solidFill>
+                  <a:srgbClr val="660033"/>
+                </a:solidFill>
+                <a:latin typeface="Microsoft JhengHei" panose="020B0604030504040204" pitchFamily="34" charset="-120"/>
+                <a:ea typeface="Microsoft JhengHei" panose="020B0604030504040204" pitchFamily="34" charset="-120"/>
+              </a:rPr>
+              <a:t> </a:t>
+            </a:r>
+            <a:r>
+              <a:rPr lang="en-US" sz="3200" b="1" dirty="0" smtClean="0">
+                <a:solidFill>
+                  <a:srgbClr val="660033"/>
+                </a:solidFill>
+                <a:latin typeface="Microsoft JhengHei" panose="020B0604030504040204" pitchFamily="34" charset="-120"/>
+                <a:ea typeface="Microsoft JhengHei" panose="020B0604030504040204" pitchFamily="34" charset="-120"/>
+              </a:rPr>
+              <a:t>)</a:t>
+            </a:r>
+            <a:endParaRPr lang="vi-VN" sz="3200" b="1" dirty="0">
+              <a:solidFill>
+                <a:srgbClr val="660033"/>
+              </a:solidFill>
+              <a:ea typeface="Microsoft JhengHei" panose="020B0604030504040204" pitchFamily="34" charset="-120"/>
+            </a:endParaRPr>
+          </a:p>
+        </p:txBody>
+      </p:sp>
+    </p:spTree>
+    <p:extLst>
+      <p:ext uri="{BB962C8B-B14F-4D97-AF65-F5344CB8AC3E}">
+        <p14:creationId xmlns:p14="http://schemas.microsoft.com/office/powerpoint/2010/main" val="3398278155"/>
+      </p:ext>
+    </p:extLst>
+  </p:cSld>
+  <p:clrMapOvr>
+    <a:masterClrMapping/>
+  </p:clrMapOvr>
+</p:sld>
+</file>
+
+<file path=ppt/slides/slide5.xml><?xml version="1.0" encoding="utf-8"?>
+<p:sld xmlns:a="http://schemas.openxmlformats.org/drawingml/2006/main" xmlns:r="http://schemas.openxmlformats.org/officeDocument/2006/relationships" xmlns:p="http://schemas.openxmlformats.org/presentationml/2006/main">
+  <p:cSld>
+    <p:spTree>
+      <p:nvGrpSpPr>
+        <p:cNvPr id="1" name=""/>
+        <p:cNvGrpSpPr/>
+        <p:nvPr/>
+      </p:nvGrpSpPr>
+      <p:grpSpPr>
+        <a:xfrm>
+          <a:off x="0" y="0"/>
+          <a:ext cx="0" cy="0"/>
+          <a:chOff x="0" y="0"/>
+          <a:chExt cx="0" cy="0"/>
+        </a:xfrm>
+      </p:grpSpPr>
+      <p:sp>
+        <p:nvSpPr>
+          <p:cNvPr id="5" name="內容版面配置區 4"/>
+          <p:cNvSpPr>
+            <a:spLocks noGrp="1"/>
+          </p:cNvSpPr>
+          <p:nvPr>
+            <p:ph idx="1"/>
+          </p:nvPr>
+        </p:nvSpPr>
+        <p:spPr>
+          <a:xfrm>
+            <a:off x="0" y="1563638"/>
+            <a:ext cx="9144000" cy="1803647"/>
+          </a:xfrm>
+        </p:spPr>
+        <p:txBody>
+          <a:bodyPr anchor="ctr">
+            <a:normAutofit/>
+          </a:bodyPr>
+          <a:lstStyle/>
+          <a:p>
+            <a:pPr algn="ctr">
+              <a:buNone/>
+            </a:pPr>
+            <a:r>
+              <a:rPr lang="zh-TW" altLang="en-US" sz="4800" b="1" dirty="0">
+                <a:solidFill>
+                  <a:srgbClr val="660033"/>
+                </a:solidFill>
+                <a:latin typeface="微軟正黑體" pitchFamily="34" charset="-120"/>
+                <a:ea typeface="微軟正黑體" pitchFamily="34" charset="-120"/>
+              </a:rPr>
+              <a:t>耶穌常伴</a:t>
+            </a:r>
+            <a:r>
+              <a:rPr lang="zh-TW" altLang="en-US" sz="4800" b="1" dirty="0">
+                <a:solidFill>
+                  <a:srgbClr val="660033"/>
+                </a:solidFill>
+                <a:latin typeface="微軟正黑體" pitchFamily="34" charset="-120"/>
+                <a:ea typeface="微軟正黑體" pitchFamily="34" charset="-120"/>
+              </a:rPr>
+              <a:t>我</a:t>
+            </a:r>
+            <a:endParaRPr lang="en-US" altLang="zh-TW" sz="4800" b="1" dirty="0">
+              <a:solidFill>
+                <a:srgbClr val="660033"/>
+              </a:solidFill>
+              <a:latin typeface="微軟正黑體" pitchFamily="34" charset="-120"/>
+              <a:ea typeface="微軟正黑體" pitchFamily="34" charset="-120"/>
+            </a:endParaRPr>
+          </a:p>
+          <a:p>
+            <a:pPr algn="ctr">
+              <a:buNone/>
+            </a:pPr>
+            <a:r>
+              <a:rPr lang="zh-TW" altLang="en-US" sz="4800" b="1" dirty="0">
+                <a:solidFill>
+                  <a:srgbClr val="660033"/>
+                </a:solidFill>
+                <a:latin typeface="微軟正黑體" pitchFamily="34" charset="-120"/>
+                <a:ea typeface="微軟正黑體" pitchFamily="34" charset="-120"/>
+              </a:rPr>
+              <a:t>大</a:t>
+            </a:r>
+            <a:r>
+              <a:rPr lang="zh-TW" altLang="en-US" sz="4800" b="1" dirty="0">
+                <a:solidFill>
+                  <a:srgbClr val="660033"/>
+                </a:solidFill>
+                <a:latin typeface="微軟正黑體" pitchFamily="34" charset="-120"/>
+                <a:ea typeface="微軟正黑體" pitchFamily="34" charset="-120"/>
+              </a:rPr>
+              <a:t>路窄巷都走過</a:t>
+            </a:r>
+            <a:endParaRPr lang="en-US" altLang="zh-TW" sz="4800" b="1" dirty="0">
+              <a:solidFill>
+                <a:srgbClr val="660033"/>
+              </a:solidFill>
+              <a:latin typeface="微軟正黑體" pitchFamily="34" charset="-120"/>
+              <a:ea typeface="微軟正黑體" pitchFamily="34" charset="-120"/>
+            </a:endParaRPr>
+          </a:p>
+        </p:txBody>
+      </p:sp>
+      <p:sp>
+        <p:nvSpPr>
+          <p:cNvPr id="3" name="TextBox 2"/>
+          <p:cNvSpPr txBox="1"/>
+          <p:nvPr/>
+        </p:nvSpPr>
+        <p:spPr>
+          <a:xfrm>
+            <a:off x="0" y="3867894"/>
+            <a:ext cx="9144000" cy="584775"/>
+          </a:xfrm>
+          <a:prstGeom prst="rect">
+            <a:avLst/>
+          </a:prstGeom>
+          <a:noFill/>
+        </p:spPr>
+        <p:txBody>
+          <a:bodyPr wrap="square" rtlCol="0">
+            <a:spAutoFit/>
+          </a:bodyPr>
+          <a:lstStyle/>
+          <a:p>
+            <a:pPr algn="ctr"/>
+            <a:r>
+              <a:rPr lang="en-US" sz="3200" b="1" dirty="0" smtClean="0">
+                <a:solidFill>
+                  <a:srgbClr val="660033"/>
+                </a:solidFill>
+                <a:latin typeface="Microsoft JhengHei" panose="020B0604030504040204" pitchFamily="34" charset="-120"/>
+                <a:ea typeface="Microsoft JhengHei" panose="020B0604030504040204" pitchFamily="34" charset="-120"/>
+              </a:rPr>
+              <a:t>( </a:t>
+            </a:r>
+            <a:r>
+              <a:rPr lang="zh-CN" altLang="en-US" sz="3200" b="1" dirty="0" smtClean="0">
+                <a:solidFill>
+                  <a:srgbClr val="660033"/>
+                </a:solidFill>
+                <a:latin typeface="Microsoft JhengHei" panose="020B0604030504040204" pitchFamily="34" charset="-120"/>
+                <a:ea typeface="Microsoft JhengHei" panose="020B0604030504040204" pitchFamily="34" charset="-120"/>
+              </a:rPr>
+              <a:t>副</a:t>
+            </a:r>
+            <a:r>
+              <a:rPr lang="en-US" sz="3200" b="1" dirty="0" smtClean="0">
+                <a:solidFill>
+                  <a:srgbClr val="660033"/>
+                </a:solidFill>
+                <a:latin typeface="Microsoft JhengHei" panose="020B0604030504040204" pitchFamily="34" charset="-120"/>
+                <a:ea typeface="Microsoft JhengHei" panose="020B0604030504040204" pitchFamily="34" charset="-120"/>
+              </a:rPr>
+              <a:t> </a:t>
+            </a:r>
+            <a:r>
+              <a:rPr lang="en-US" sz="3200" b="1" dirty="0" smtClean="0">
+                <a:solidFill>
+                  <a:srgbClr val="660033"/>
+                </a:solidFill>
+                <a:latin typeface="Microsoft JhengHei" panose="020B0604030504040204" pitchFamily="34" charset="-120"/>
+                <a:ea typeface="Microsoft JhengHei" panose="020B0604030504040204" pitchFamily="34" charset="-120"/>
+              </a:rPr>
+              <a:t>)</a:t>
+            </a:r>
+            <a:endParaRPr lang="vi-VN" sz="3200" b="1" dirty="0">
+              <a:solidFill>
+                <a:srgbClr val="660033"/>
+              </a:solidFill>
+              <a:ea typeface="Microsoft JhengHei" panose="020B0604030504040204" pitchFamily="34" charset="-120"/>
+            </a:endParaRPr>
+          </a:p>
+        </p:txBody>
+      </p:sp>
+    </p:spTree>
+    <p:extLst>
+      <p:ext uri="{BB962C8B-B14F-4D97-AF65-F5344CB8AC3E}">
+        <p14:creationId xmlns:p14="http://schemas.microsoft.com/office/powerpoint/2010/main" val="1760793627"/>
+      </p:ext>
+    </p:extLst>
   </p:cSld>
   <p:clrMapOvr>
     <a:masterClrMapping/>
